--- a/WebContent/HANA/PPT/0608 최종본 김형준.pptx
+++ b/WebContent/HANA/PPT/0608 최종본 김형준.pptx
@@ -35,28 +35,28 @@
   <p:notesSz cx="6858000" cy="9144000"/>
   <p:embeddedFontLst>
     <p:embeddedFont>
-      <p:font typeface="맑은 고딕" panose="020B0503020000020004" pitchFamily="50" charset="-127"/>
+      <p:font typeface="Consolas" panose="020B0609020204030204" pitchFamily="49" charset="0"/>
       <p:regular r:id="rId25"/>
       <p:bold r:id="rId26"/>
+      <p:italic r:id="rId27"/>
+      <p:boldItalic r:id="rId28"/>
+    </p:embeddedFont>
+    <p:embeddedFont>
+      <p:font typeface="타이포_스톰 B" panose="02020503020101020101" pitchFamily="18" charset="-127"/>
+      <p:regular r:id="rId29"/>
+    </p:embeddedFont>
+    <p:embeddedFont>
+      <p:font typeface="나눔스퀘어_ac ExtraBold" panose="020B0600000101010101" pitchFamily="50" charset="-127"/>
+      <p:bold r:id="rId30"/>
     </p:embeddedFont>
     <p:embeddedFont>
       <p:font typeface="나눔스퀘어_ac" panose="020B0600000101010101" pitchFamily="50" charset="-127"/>
-      <p:regular r:id="rId27"/>
+      <p:regular r:id="rId31"/>
     </p:embeddedFont>
     <p:embeddedFont>
-      <p:font typeface="나눔스퀘어_ac ExtraBold" panose="020B0600000101010101" pitchFamily="50" charset="-127"/>
-      <p:bold r:id="rId28"/>
-    </p:embeddedFont>
-    <p:embeddedFont>
-      <p:font typeface="Consolas" panose="020B0609020204030204" pitchFamily="49" charset="0"/>
-      <p:regular r:id="rId29"/>
-      <p:bold r:id="rId30"/>
-      <p:italic r:id="rId31"/>
-      <p:boldItalic r:id="rId32"/>
-    </p:embeddedFont>
-    <p:embeddedFont>
-      <p:font typeface="타이포_스톰 B" panose="02020503020101020101" pitchFamily="18" charset="-127"/>
-      <p:regular r:id="rId33"/>
+      <p:font typeface="맑은 고딕" panose="020B0503020000020004" pitchFamily="50" charset="-127"/>
+      <p:regular r:id="rId32"/>
+      <p:bold r:id="rId33"/>
     </p:embeddedFont>
   </p:embeddedFontLst>
   <p:defaultTextStyle>
@@ -6805,14 +6805,14 @@
           <a:p>
             <a:pPr algn="ctr"/>
             <a:r>
-              <a:rPr lang="en-US" altLang="ko-KR" sz="1400" dirty="0" err="1" smtClean="0">
+              <a:rPr lang="en-US" altLang="ko-KR" sz="1400" dirty="0" smtClean="0">
                 <a:solidFill>
                   <a:prstClr val="white"/>
                 </a:solidFill>
                 <a:latin typeface="나눔스퀘어_ac ExtraBold" panose="020B0600000101010101" pitchFamily="50" charset="-127"/>
                 <a:ea typeface="나눔스퀘어_ac ExtraBold" panose="020B0600000101010101" pitchFamily="50" charset="-127"/>
               </a:rPr>
-              <a:t>jsp</a:t>
+              <a:t>View</a:t>
             </a:r>
             <a:endParaRPr lang="ko-KR" altLang="en-US" sz="1400" dirty="0">
               <a:solidFill>
@@ -7637,11 +7637,6 @@
               </a:rPr>
               <a:t>});</a:t>
             </a:r>
-            <a:endParaRPr lang="en-US" altLang="ko-KR" sz="1200" b="1" dirty="0">
-              <a:solidFill>
-                <a:prstClr val="black"/>
-              </a:solidFill>
-            </a:endParaRPr>
           </a:p>
         </p:txBody>
       </p:sp>
@@ -7875,14 +7870,14 @@
           <a:p>
             <a:pPr algn="ctr"/>
             <a:r>
-              <a:rPr lang="en-US" altLang="ko-KR" sz="1400" dirty="0" err="1" smtClean="0">
+              <a:rPr lang="en-US" altLang="ko-KR" sz="1400" dirty="0">
                 <a:solidFill>
                   <a:prstClr val="white"/>
                 </a:solidFill>
                 <a:latin typeface="나눔스퀘어_ac ExtraBold" panose="020B0600000101010101" pitchFamily="50" charset="-127"/>
                 <a:ea typeface="나눔스퀘어_ac ExtraBold" panose="020B0600000101010101" pitchFamily="50" charset="-127"/>
               </a:rPr>
-              <a:t>jsp</a:t>
+              <a:t>View</a:t>
             </a:r>
             <a:endParaRPr lang="ko-KR" altLang="en-US" sz="1400" dirty="0">
               <a:solidFill>
@@ -10058,33 +10053,7 @@
                 <a:latin typeface="타이포_스톰 B" panose="02020503020101020101" pitchFamily="18" charset="-127"/>
                 <a:ea typeface="타이포_스톰 B" panose="02020503020101020101" pitchFamily="18" charset="-127"/>
               </a:rPr>
-              <a:t>] </a:t>
-            </a:r>
-            <a:r>
-              <a:rPr lang="en-US" altLang="ko-KR" sz="2000" dirty="0" smtClean="0">
-                <a:solidFill>
-                  <a:prstClr val="black">
-                    <a:lumMod val="75000"/>
-                    <a:lumOff val="25000"/>
-                  </a:prstClr>
-                </a:solidFill>
-                <a:latin typeface="타이포_스톰 B" panose="02020503020101020101" pitchFamily="18" charset="-127"/>
-                <a:ea typeface="타이포_스톰 B" panose="02020503020101020101" pitchFamily="18" charset="-127"/>
-              </a:rPr>
-              <a:t>C</a:t>
-            </a:r>
-            <a:r>
-              <a:rPr lang="en-US" altLang="ko-KR" sz="2000" dirty="0" smtClean="0">
-                <a:solidFill>
-                  <a:prstClr val="black">
-                    <a:lumMod val="75000"/>
-                    <a:lumOff val="25000"/>
-                  </a:prstClr>
-                </a:solidFill>
-                <a:latin typeface="타이포_스톰 B" panose="02020503020101020101" pitchFamily="18" charset="-127"/>
-                <a:ea typeface="타이포_스톰 B" panose="02020503020101020101" pitchFamily="18" charset="-127"/>
-              </a:rPr>
-              <a:t>EO(Admin), CTO(CEO), HR(CEO,CTO)</a:t>
+              <a:t>] CEO(Admin), CTO(CEO), HR(CEO,CTO)</a:t>
             </a:r>
             <a:endParaRPr lang="ko-KR" altLang="en-US" sz="2000" dirty="0">
               <a:solidFill>
